--- a/PPW.pptx
+++ b/PPW.pptx
@@ -111,6 +111,11 @@
       </a:defRPr>
     </a:lvl9pPr>
   </p:defaultTextStyle>
+  <p:extLst>
+    <p:ext uri="{EFAFB233-063F-42B5-8137-9DF3F51BA10A}">
+      <p15:sldGuideLst xmlns:p15="http://schemas.microsoft.com/office/powerpoint/2012/main"/>
+    </p:ext>
+  </p:extLst>
 </p:presentation>
 </file>
 
@@ -253,7 +258,7 @@
           <a:p>
             <a:fld id="{B7259E18-4CAF-49B4-B12E-83DD3A457D8E}" type="datetimeFigureOut">
               <a:rPr lang="da-DK" smtClean="0"/>
-              <a:t>01-06-2018</a:t>
+              <a:t>02-06-2018</a:t>
             </a:fld>
             <a:endParaRPr lang="da-DK"/>
           </a:p>
@@ -464,7 +469,7 @@
           <a:p>
             <a:fld id="{B7259E18-4CAF-49B4-B12E-83DD3A457D8E}" type="datetimeFigureOut">
               <a:rPr lang="da-DK" smtClean="0"/>
-              <a:t>01-06-2018</a:t>
+              <a:t>02-06-2018</a:t>
             </a:fld>
             <a:endParaRPr lang="da-DK"/>
           </a:p>
@@ -679,7 +684,7 @@
           <a:p>
             <a:fld id="{B7259E18-4CAF-49B4-B12E-83DD3A457D8E}" type="datetimeFigureOut">
               <a:rPr lang="da-DK" smtClean="0"/>
-              <a:t>01-06-2018</a:t>
+              <a:t>02-06-2018</a:t>
             </a:fld>
             <a:endParaRPr lang="da-DK"/>
           </a:p>
@@ -880,7 +885,7 @@
           <a:p>
             <a:fld id="{B7259E18-4CAF-49B4-B12E-83DD3A457D8E}" type="datetimeFigureOut">
               <a:rPr lang="da-DK" smtClean="0"/>
-              <a:t>01-06-2018</a:t>
+              <a:t>02-06-2018</a:t>
             </a:fld>
             <a:endParaRPr lang="da-DK"/>
           </a:p>
@@ -1159,7 +1164,7 @@
           <a:p>
             <a:fld id="{B7259E18-4CAF-49B4-B12E-83DD3A457D8E}" type="datetimeFigureOut">
               <a:rPr lang="da-DK" smtClean="0"/>
-              <a:t>01-06-2018</a:t>
+              <a:t>02-06-2018</a:t>
             </a:fld>
             <a:endParaRPr lang="da-DK"/>
           </a:p>
@@ -1427,7 +1432,7 @@
           <a:p>
             <a:fld id="{B7259E18-4CAF-49B4-B12E-83DD3A457D8E}" type="datetimeFigureOut">
               <a:rPr lang="da-DK" smtClean="0"/>
-              <a:t>01-06-2018</a:t>
+              <a:t>02-06-2018</a:t>
             </a:fld>
             <a:endParaRPr lang="da-DK"/>
           </a:p>
@@ -1843,7 +1848,7 @@
           <a:p>
             <a:fld id="{B7259E18-4CAF-49B4-B12E-83DD3A457D8E}" type="datetimeFigureOut">
               <a:rPr lang="da-DK" smtClean="0"/>
-              <a:t>01-06-2018</a:t>
+              <a:t>02-06-2018</a:t>
             </a:fld>
             <a:endParaRPr lang="da-DK"/>
           </a:p>
@@ -1992,7 +1997,7 @@
           <a:p>
             <a:fld id="{B7259E18-4CAF-49B4-B12E-83DD3A457D8E}" type="datetimeFigureOut">
               <a:rPr lang="da-DK" smtClean="0"/>
-              <a:t>01-06-2018</a:t>
+              <a:t>02-06-2018</a:t>
             </a:fld>
             <a:endParaRPr lang="da-DK"/>
           </a:p>
@@ -2118,7 +2123,7 @@
           <a:p>
             <a:fld id="{B7259E18-4CAF-49B4-B12E-83DD3A457D8E}" type="datetimeFigureOut">
               <a:rPr lang="da-DK" smtClean="0"/>
-              <a:t>01-06-2018</a:t>
+              <a:t>02-06-2018</a:t>
             </a:fld>
             <a:endParaRPr lang="da-DK"/>
           </a:p>
@@ -2369,7 +2374,7 @@
           <a:p>
             <a:fld id="{B7259E18-4CAF-49B4-B12E-83DD3A457D8E}" type="datetimeFigureOut">
               <a:rPr lang="da-DK" smtClean="0"/>
-              <a:t>01-06-2018</a:t>
+              <a:t>02-06-2018</a:t>
             </a:fld>
             <a:endParaRPr lang="da-DK"/>
           </a:p>
@@ -2814,7 +2819,7 @@
           <a:p>
             <a:fld id="{B7259E18-4CAF-49B4-B12E-83DD3A457D8E}" type="datetimeFigureOut">
               <a:rPr lang="da-DK" smtClean="0"/>
-              <a:t>01-06-2018</a:t>
+              <a:t>02-06-2018</a:t>
             </a:fld>
             <a:endParaRPr lang="da-DK"/>
           </a:p>
@@ -3140,7 +3145,7 @@
           <a:p>
             <a:fld id="{B7259E18-4CAF-49B4-B12E-83DD3A457D8E}" type="datetimeFigureOut">
               <a:rPr lang="da-DK" smtClean="0"/>
-              <a:t>01-06-2018</a:t>
+              <a:t>02-06-2018</a:t>
             </a:fld>
             <a:endParaRPr lang="da-DK"/>
           </a:p>
@@ -4227,7 +4232,7 @@
             </a:pPr>
             <a:r>
               <a:rPr lang="da-DK" sz="2000" dirty="0"/>
-              <a:t>2 Interfaces</a:t>
+              <a:t>4 Interfaces</a:t>
             </a:r>
           </a:p>
           <a:p>
@@ -4287,8 +4292,8 @@
         </p:blipFill>
         <p:spPr>
           <a:xfrm>
-            <a:off x="5429250" y="4837967"/>
-            <a:ext cx="5838825" cy="1016001"/>
+            <a:off x="6297787" y="5202983"/>
+            <a:ext cx="5164338" cy="898635"/>
           </a:xfrm>
           <a:prstGeom prst="rect">
             <a:avLst/>
@@ -4317,8 +4322,8 @@
         </p:blipFill>
         <p:spPr>
           <a:xfrm>
-            <a:off x="5429250" y="2600019"/>
-            <a:ext cx="6286500" cy="2095500"/>
+            <a:off x="87970" y="4072913"/>
+            <a:ext cx="6086115" cy="2028705"/>
           </a:xfrm>
           <a:prstGeom prst="rect">
             <a:avLst/>
@@ -4327,10 +4332,10 @@
       </p:pic>
       <p:pic>
         <p:nvPicPr>
-          <p:cNvPr id="10" name="Billede 9">
+          <p:cNvPr id="7" name="Billede 6">
             <a:extLst>
               <a:ext uri="{FF2B5EF4-FFF2-40B4-BE49-F238E27FC236}">
-                <a16:creationId xmlns:a16="http://schemas.microsoft.com/office/drawing/2014/main" id="{B29339F5-7973-4B0D-9470-378F1E1DB2A7}"/>
+                <a16:creationId xmlns:a16="http://schemas.microsoft.com/office/drawing/2014/main" id="{6E9420AF-84AE-47EA-A42B-78E6A40D94E3}"/>
               </a:ext>
             </a:extLst>
           </p:cNvPr>
@@ -4347,8 +4352,8 @@
         </p:blipFill>
         <p:spPr>
           <a:xfrm>
-            <a:off x="5429250" y="2323662"/>
-            <a:ext cx="4791075" cy="219075"/>
+            <a:off x="8766550" y="1924049"/>
+            <a:ext cx="2695575" cy="3153747"/>
           </a:xfrm>
           <a:prstGeom prst="rect">
             <a:avLst/>

--- a/PPW.pptx
+++ b/PPW.pptx
@@ -9,10 +9,11 @@
     <p:sldId id="263" r:id="rId3"/>
     <p:sldId id="257" r:id="rId4"/>
     <p:sldId id="258" r:id="rId5"/>
-    <p:sldId id="259" r:id="rId6"/>
-    <p:sldId id="260" r:id="rId7"/>
-    <p:sldId id="261" r:id="rId8"/>
-    <p:sldId id="262" r:id="rId9"/>
+    <p:sldId id="264" r:id="rId6"/>
+    <p:sldId id="259" r:id="rId7"/>
+    <p:sldId id="260" r:id="rId8"/>
+    <p:sldId id="261" r:id="rId9"/>
+    <p:sldId id="262" r:id="rId10"/>
   </p:sldIdLst>
   <p:sldSz cx="12192000" cy="6858000"/>
   <p:notesSz cx="6858000" cy="9144000"/>
@@ -4170,7 +4171,7 @@
           <p:cNvPr id="2" name="Titel 1">
             <a:extLst>
               <a:ext uri="{FF2B5EF4-FFF2-40B4-BE49-F238E27FC236}">
-                <a16:creationId xmlns:a16="http://schemas.microsoft.com/office/drawing/2014/main" id="{39F67757-2DB1-4DB5-862C-9AB986BA06E5}"/>
+                <a16:creationId xmlns:a16="http://schemas.microsoft.com/office/drawing/2014/main" id="{69BB79CB-F8D3-46C3-AE48-1330C0188D17}"/>
               </a:ext>
             </a:extLst>
           </p:cNvPr>
@@ -4183,7 +4184,7 @@
         </p:nvSpPr>
         <p:spPr>
           <a:xfrm>
-            <a:off x="1433994" y="1285479"/>
+            <a:off x="1451578" y="1323266"/>
             <a:ext cx="9603275" cy="1049235"/>
           </a:xfrm>
         </p:spPr>
@@ -4193,177 +4194,15 @@
           <a:p>
             <a:r>
               <a:rPr lang="da-DK" dirty="0"/>
-              <a:t>Interfaces</a:t>
-            </a:r>
-          </a:p>
-        </p:txBody>
-      </p:sp>
-      <p:sp>
-        <p:nvSpPr>
-          <p:cNvPr id="5" name="Tekstfelt 4">
-            <a:extLst>
-              <a:ext uri="{FF2B5EF4-FFF2-40B4-BE49-F238E27FC236}">
-                <a16:creationId xmlns:a16="http://schemas.microsoft.com/office/drawing/2014/main" id="{CA5E97EF-4B8B-4A26-9A51-7548BD995531}"/>
-              </a:ext>
-            </a:extLst>
-          </p:cNvPr>
-          <p:cNvSpPr txBox="1"/>
-          <p:nvPr/>
-        </p:nvSpPr>
-        <p:spPr>
-          <a:xfrm>
-            <a:off x="159727" y="2192215"/>
-            <a:ext cx="5181600" cy="1015663"/>
-          </a:xfrm>
-          <a:prstGeom prst="rect">
-            <a:avLst/>
-          </a:prstGeom>
-          <a:noFill/>
-        </p:spPr>
-        <p:txBody>
-          <a:bodyPr wrap="square" rtlCol="0">
-            <a:spAutoFit/>
-          </a:bodyPr>
-          <a:lstStyle/>
-          <a:p>
-            <a:pPr marL="285750" indent="-285750">
-              <a:buFont typeface="Arial" panose="020B0604020202020204" pitchFamily="34" charset="0"/>
-              <a:buChar char="•"/>
-            </a:pPr>
-            <a:r>
-              <a:rPr lang="da-DK" sz="2000" dirty="0"/>
-              <a:t>4 Interfaces</a:t>
-            </a:r>
-          </a:p>
-          <a:p>
-            <a:pPr marL="285750" indent="-285750">
-              <a:buFont typeface="Arial" panose="020B0604020202020204" pitchFamily="34" charset="0"/>
-              <a:buChar char="•"/>
-            </a:pPr>
-            <a:r>
-              <a:rPr lang="da-DK" sz="2000" dirty="0" err="1"/>
-              <a:t>Implementationer</a:t>
-            </a:r>
-            <a:r>
-              <a:rPr lang="da-DK" sz="2000" dirty="0"/>
-              <a:t> af egne Interface</a:t>
-            </a:r>
-          </a:p>
-          <a:p>
-            <a:pPr marL="285750" indent="-285750">
-              <a:buFont typeface="Arial" panose="020B0604020202020204" pitchFamily="34" charset="0"/>
-              <a:buChar char="•"/>
-            </a:pPr>
-            <a:r>
-              <a:rPr lang="da-DK" sz="2000" dirty="0" err="1"/>
-              <a:t>Implementation</a:t>
-            </a:r>
-            <a:r>
-              <a:rPr lang="da-DK" sz="2000" dirty="0"/>
-              <a:t> af </a:t>
-            </a:r>
-            <a:r>
-              <a:rPr lang="da-DK" sz="2000" dirty="0" err="1"/>
-              <a:t>IUserPersistence</a:t>
-            </a:r>
-            <a:endParaRPr lang="da-DK" sz="2000" dirty="0"/>
-          </a:p>
-        </p:txBody>
-      </p:sp>
-      <p:pic>
-        <p:nvPicPr>
-          <p:cNvPr id="6" name="Billede 5">
-            <a:extLst>
-              <a:ext uri="{FF2B5EF4-FFF2-40B4-BE49-F238E27FC236}">
-                <a16:creationId xmlns:a16="http://schemas.microsoft.com/office/drawing/2014/main" id="{761E5DDD-E06D-4EC2-A3D9-5184DC45BFB3}"/>
-              </a:ext>
-            </a:extLst>
-          </p:cNvPr>
-          <p:cNvPicPr>
-            <a:picLocks noChangeAspect="1"/>
-          </p:cNvPicPr>
-          <p:nvPr/>
-        </p:nvPicPr>
-        <p:blipFill>
-          <a:blip r:embed="rId2"/>
-          <a:stretch>
-            <a:fillRect/>
-          </a:stretch>
-        </p:blipFill>
-        <p:spPr>
-          <a:xfrm>
-            <a:off x="6297787" y="5202983"/>
-            <a:ext cx="5164338" cy="898635"/>
-          </a:xfrm>
-          <a:prstGeom prst="rect">
-            <a:avLst/>
-          </a:prstGeom>
-        </p:spPr>
-      </p:pic>
-      <p:pic>
-        <p:nvPicPr>
-          <p:cNvPr id="9" name="Billede 8">
-            <a:extLst>
-              <a:ext uri="{FF2B5EF4-FFF2-40B4-BE49-F238E27FC236}">
-                <a16:creationId xmlns:a16="http://schemas.microsoft.com/office/drawing/2014/main" id="{F8BAE694-6D22-4E78-822E-4BA381F12F22}"/>
-              </a:ext>
-            </a:extLst>
-          </p:cNvPr>
-          <p:cNvPicPr>
-            <a:picLocks noChangeAspect="1"/>
-          </p:cNvPicPr>
-          <p:nvPr/>
-        </p:nvPicPr>
-        <p:blipFill>
-          <a:blip r:embed="rId3"/>
-          <a:stretch>
-            <a:fillRect/>
-          </a:stretch>
-        </p:blipFill>
-        <p:spPr>
-          <a:xfrm>
-            <a:off x="87970" y="4072913"/>
-            <a:ext cx="6086115" cy="2028705"/>
-          </a:xfrm>
-          <a:prstGeom prst="rect">
-            <a:avLst/>
-          </a:prstGeom>
-        </p:spPr>
-      </p:pic>
-      <p:pic>
-        <p:nvPicPr>
-          <p:cNvPr id="7" name="Billede 6">
-            <a:extLst>
-              <a:ext uri="{FF2B5EF4-FFF2-40B4-BE49-F238E27FC236}">
-                <a16:creationId xmlns:a16="http://schemas.microsoft.com/office/drawing/2014/main" id="{6E9420AF-84AE-47EA-A42B-78E6A40D94E3}"/>
-              </a:ext>
-            </a:extLst>
-          </p:cNvPr>
-          <p:cNvPicPr>
-            <a:picLocks noChangeAspect="1"/>
-          </p:cNvPicPr>
-          <p:nvPr/>
-        </p:nvPicPr>
-        <p:blipFill>
-          <a:blip r:embed="rId4"/>
-          <a:stretch>
-            <a:fillRect/>
-          </a:stretch>
-        </p:blipFill>
-        <p:spPr>
-          <a:xfrm>
-            <a:off x="8766550" y="1924049"/>
-            <a:ext cx="2695575" cy="3153747"/>
-          </a:xfrm>
-          <a:prstGeom prst="rect">
-            <a:avLst/>
-          </a:prstGeom>
-        </p:spPr>
-      </p:pic>
+              <a:t>Demo af Projekt</a:t>
+            </a:r>
+          </a:p>
+        </p:txBody>
+      </p:sp>
     </p:spTree>
     <p:extLst>
       <p:ext uri="{BB962C8B-B14F-4D97-AF65-F5344CB8AC3E}">
-        <p14:creationId xmlns:p14="http://schemas.microsoft.com/office/powerpoint/2010/main" val="111505625"/>
+        <p14:creationId xmlns:p14="http://schemas.microsoft.com/office/powerpoint/2010/main" val="4284425672"/>
       </p:ext>
     </p:extLst>
   </p:cSld>
@@ -4395,7 +4234,7 @@
           <p:cNvPr id="2" name="Titel 1">
             <a:extLst>
               <a:ext uri="{FF2B5EF4-FFF2-40B4-BE49-F238E27FC236}">
-                <a16:creationId xmlns:a16="http://schemas.microsoft.com/office/drawing/2014/main" id="{E522A8C3-09A0-4997-8B11-1A494C1194E6}"/>
+                <a16:creationId xmlns:a16="http://schemas.microsoft.com/office/drawing/2014/main" id="{39F67757-2DB1-4DB5-862C-9AB986BA06E5}"/>
               </a:ext>
             </a:extLst>
           </p:cNvPr>
@@ -4406,24 +4245,101 @@
             <p:ph type="title"/>
           </p:nvPr>
         </p:nvSpPr>
-        <p:spPr/>
+        <p:spPr>
+          <a:xfrm>
+            <a:off x="1433994" y="1285479"/>
+            <a:ext cx="9603275" cy="1049235"/>
+          </a:xfrm>
+        </p:spPr>
         <p:txBody>
           <a:bodyPr/>
           <a:lstStyle/>
           <a:p>
             <a:r>
               <a:rPr lang="da-DK" dirty="0"/>
-              <a:t>Private Inner klasser som implementerer Interfaces. </a:t>
-            </a:r>
+              <a:t>Interfaces</a:t>
+            </a:r>
+          </a:p>
+        </p:txBody>
+      </p:sp>
+      <p:sp>
+        <p:nvSpPr>
+          <p:cNvPr id="5" name="Tekstfelt 4">
+            <a:extLst>
+              <a:ext uri="{FF2B5EF4-FFF2-40B4-BE49-F238E27FC236}">
+                <a16:creationId xmlns:a16="http://schemas.microsoft.com/office/drawing/2014/main" id="{CA5E97EF-4B8B-4A26-9A51-7548BD995531}"/>
+              </a:ext>
+            </a:extLst>
+          </p:cNvPr>
+          <p:cNvSpPr txBox="1"/>
+          <p:nvPr/>
+        </p:nvSpPr>
+        <p:spPr>
+          <a:xfrm>
+            <a:off x="159727" y="2192215"/>
+            <a:ext cx="5181600" cy="1015663"/>
+          </a:xfrm>
+          <a:prstGeom prst="rect">
+            <a:avLst/>
+          </a:prstGeom>
+          <a:noFill/>
+        </p:spPr>
+        <p:txBody>
+          <a:bodyPr wrap="square" rtlCol="0">
+            <a:spAutoFit/>
+          </a:bodyPr>
+          <a:lstStyle/>
+          <a:p>
+            <a:pPr marL="285750" indent="-285750">
+              <a:buFont typeface="Arial" panose="020B0604020202020204" pitchFamily="34" charset="0"/>
+              <a:buChar char="•"/>
+            </a:pPr>
+            <a:r>
+              <a:rPr lang="da-DK" sz="2000" dirty="0"/>
+              <a:t>4 Interfaces</a:t>
+            </a:r>
+          </a:p>
+          <a:p>
+            <a:pPr marL="285750" indent="-285750">
+              <a:buFont typeface="Arial" panose="020B0604020202020204" pitchFamily="34" charset="0"/>
+              <a:buChar char="•"/>
+            </a:pPr>
+            <a:r>
+              <a:rPr lang="da-DK" sz="2000" dirty="0" err="1"/>
+              <a:t>Implementationer</a:t>
+            </a:r>
+            <a:r>
+              <a:rPr lang="da-DK" sz="2000" dirty="0"/>
+              <a:t> af egne Interface</a:t>
+            </a:r>
+          </a:p>
+          <a:p>
+            <a:pPr marL="285750" indent="-285750">
+              <a:buFont typeface="Arial" panose="020B0604020202020204" pitchFamily="34" charset="0"/>
+              <a:buChar char="•"/>
+            </a:pPr>
+            <a:r>
+              <a:rPr lang="da-DK" sz="2000" dirty="0" err="1"/>
+              <a:t>Implementation</a:t>
+            </a:r>
+            <a:r>
+              <a:rPr lang="da-DK" sz="2000" dirty="0"/>
+              <a:t> af </a:t>
+            </a:r>
+            <a:r>
+              <a:rPr lang="da-DK" sz="2000" dirty="0" err="1"/>
+              <a:t>IUserPersistence</a:t>
+            </a:r>
+            <a:endParaRPr lang="da-DK" sz="2000" dirty="0"/>
           </a:p>
         </p:txBody>
       </p:sp>
       <p:pic>
         <p:nvPicPr>
-          <p:cNvPr id="4" name="Billede 3">
+          <p:cNvPr id="6" name="Billede 5">
             <a:extLst>
               <a:ext uri="{FF2B5EF4-FFF2-40B4-BE49-F238E27FC236}">
-                <a16:creationId xmlns:a16="http://schemas.microsoft.com/office/drawing/2014/main" id="{1F56EDDC-F53B-4D6D-A377-DCE687D2C0C7}"/>
+                <a16:creationId xmlns:a16="http://schemas.microsoft.com/office/drawing/2014/main" id="{761E5DDD-E06D-4EC2-A3D9-5184DC45BFB3}"/>
               </a:ext>
             </a:extLst>
           </p:cNvPr>
@@ -4440,8 +4356,8 @@
         </p:blipFill>
         <p:spPr>
           <a:xfrm>
-            <a:off x="6238875" y="1541561"/>
-            <a:ext cx="5114925" cy="2597052"/>
+            <a:off x="6297787" y="5202983"/>
+            <a:ext cx="5164338" cy="898635"/>
           </a:xfrm>
           <a:prstGeom prst="rect">
             <a:avLst/>
@@ -4450,10 +4366,10 @@
       </p:pic>
       <p:pic>
         <p:nvPicPr>
-          <p:cNvPr id="5" name="Billede 4">
+          <p:cNvPr id="9" name="Billede 8">
             <a:extLst>
               <a:ext uri="{FF2B5EF4-FFF2-40B4-BE49-F238E27FC236}">
-                <a16:creationId xmlns:a16="http://schemas.microsoft.com/office/drawing/2014/main" id="{ECAEE9C8-F21B-47E2-B212-4E41A778F76E}"/>
+                <a16:creationId xmlns:a16="http://schemas.microsoft.com/office/drawing/2014/main" id="{F8BAE694-6D22-4E78-822E-4BA381F12F22}"/>
               </a:ext>
             </a:extLst>
           </p:cNvPr>
@@ -4470,103 +4386,48 @@
         </p:blipFill>
         <p:spPr>
           <a:xfrm>
-            <a:off x="4810125" y="4348261"/>
-            <a:ext cx="6543675" cy="1590675"/>
+            <a:off x="87970" y="4072913"/>
+            <a:ext cx="6086115" cy="2028705"/>
           </a:xfrm>
           <a:prstGeom prst="rect">
             <a:avLst/>
           </a:prstGeom>
         </p:spPr>
       </p:pic>
-      <p:sp>
-        <p:nvSpPr>
-          <p:cNvPr id="6" name="Tekstfelt 5">
+      <p:pic>
+        <p:nvPicPr>
+          <p:cNvPr id="7" name="Billede 6">
             <a:extLst>
               <a:ext uri="{FF2B5EF4-FFF2-40B4-BE49-F238E27FC236}">
-                <a16:creationId xmlns:a16="http://schemas.microsoft.com/office/drawing/2014/main" id="{8BE6A515-3E27-4913-A1A8-DF3F86C346DD}"/>
+                <a16:creationId xmlns:a16="http://schemas.microsoft.com/office/drawing/2014/main" id="{6E9420AF-84AE-47EA-A42B-78E6A40D94E3}"/>
               </a:ext>
             </a:extLst>
           </p:cNvPr>
-          <p:cNvSpPr txBox="1"/>
+          <p:cNvPicPr>
+            <a:picLocks noChangeAspect="1"/>
+          </p:cNvPicPr>
           <p:nvPr/>
-        </p:nvSpPr>
-        <p:spPr>
-          <a:xfrm>
-            <a:off x="320186" y="2446826"/>
-            <a:ext cx="4333875" cy="1477328"/>
+        </p:nvPicPr>
+        <p:blipFill>
+          <a:blip r:embed="rId4"/>
+          <a:stretch>
+            <a:fillRect/>
+          </a:stretch>
+        </p:blipFill>
+        <p:spPr>
+          <a:xfrm>
+            <a:off x="8766550" y="1924049"/>
+            <a:ext cx="2695575" cy="3153747"/>
           </a:xfrm>
           <a:prstGeom prst="rect">
             <a:avLst/>
           </a:prstGeom>
-          <a:noFill/>
-        </p:spPr>
-        <p:txBody>
-          <a:bodyPr wrap="square" rtlCol="0">
-            <a:spAutoFit/>
-          </a:bodyPr>
-          <a:lstStyle/>
-          <a:p>
-            <a:pPr marL="285750" indent="-285750">
-              <a:buFont typeface="Arial" panose="020B0604020202020204" pitchFamily="34" charset="0"/>
-              <a:buChar char="•"/>
-            </a:pPr>
-            <a:r>
-              <a:rPr lang="da-DK" dirty="0"/>
-              <a:t>Private </a:t>
-            </a:r>
-            <a:r>
-              <a:rPr lang="da-DK" dirty="0" err="1"/>
-              <a:t>inner</a:t>
-            </a:r>
-            <a:r>
-              <a:rPr lang="da-DK" dirty="0"/>
-              <a:t> klasser</a:t>
-            </a:r>
-          </a:p>
-          <a:p>
-            <a:pPr marL="285750" indent="-285750">
-              <a:buFont typeface="Arial" panose="020B0604020202020204" pitchFamily="34" charset="0"/>
-              <a:buChar char="•"/>
-            </a:pPr>
-            <a:r>
-              <a:rPr lang="da-DK" dirty="0" err="1"/>
-              <a:t>ValueEventListner</a:t>
-            </a:r>
-            <a:r>
-              <a:rPr lang="da-DK" dirty="0"/>
-              <a:t> Interface </a:t>
-            </a:r>
-            <a:r>
-              <a:rPr lang="da-DK" dirty="0" err="1"/>
-              <a:t>Implementation</a:t>
-            </a:r>
-            <a:endParaRPr lang="da-DK" dirty="0"/>
-          </a:p>
-          <a:p>
-            <a:pPr marL="285750" indent="-285750">
-              <a:buFont typeface="Arial" panose="020B0604020202020204" pitchFamily="34" charset="0"/>
-              <a:buChar char="•"/>
-            </a:pPr>
-            <a:r>
-              <a:rPr lang="da-DK" dirty="0" err="1"/>
-              <a:t>CompletionListner</a:t>
-            </a:r>
-            <a:r>
-              <a:rPr lang="da-DK" dirty="0"/>
-              <a:t> Interface </a:t>
-            </a:r>
-            <a:r>
-              <a:rPr lang="da-DK" dirty="0" err="1"/>
-              <a:t>implementation</a:t>
-            </a:r>
-            <a:endParaRPr lang="da-DK" dirty="0"/>
-          </a:p>
-        </p:txBody>
-      </p:sp>
+        </p:spPr>
+      </p:pic>
     </p:spTree>
     <p:extLst>
       <p:ext uri="{BB962C8B-B14F-4D97-AF65-F5344CB8AC3E}">
-        <p14:creationId xmlns:p14="http://schemas.microsoft.com/office/powerpoint/2010/main" val="3018171403"/>
+        <p14:creationId xmlns:p14="http://schemas.microsoft.com/office/powerpoint/2010/main" val="111505625"/>
       </p:ext>
     </p:extLst>
   </p:cSld>
@@ -4598,6 +4459,209 @@
           <p:cNvPr id="2" name="Titel 1">
             <a:extLst>
               <a:ext uri="{FF2B5EF4-FFF2-40B4-BE49-F238E27FC236}">
+                <a16:creationId xmlns:a16="http://schemas.microsoft.com/office/drawing/2014/main" id="{E522A8C3-09A0-4997-8B11-1A494C1194E6}"/>
+              </a:ext>
+            </a:extLst>
+          </p:cNvPr>
+          <p:cNvSpPr>
+            <a:spLocks noGrp="1"/>
+          </p:cNvSpPr>
+          <p:nvPr>
+            <p:ph type="title"/>
+          </p:nvPr>
+        </p:nvSpPr>
+        <p:spPr/>
+        <p:txBody>
+          <a:bodyPr/>
+          <a:lstStyle/>
+          <a:p>
+            <a:r>
+              <a:rPr lang="da-DK" dirty="0"/>
+              <a:t>Private Inner klasser som implementerer Interfaces. </a:t>
+            </a:r>
+          </a:p>
+        </p:txBody>
+      </p:sp>
+      <p:pic>
+        <p:nvPicPr>
+          <p:cNvPr id="4" name="Billede 3">
+            <a:extLst>
+              <a:ext uri="{FF2B5EF4-FFF2-40B4-BE49-F238E27FC236}">
+                <a16:creationId xmlns:a16="http://schemas.microsoft.com/office/drawing/2014/main" id="{1F56EDDC-F53B-4D6D-A377-DCE687D2C0C7}"/>
+              </a:ext>
+            </a:extLst>
+          </p:cNvPr>
+          <p:cNvPicPr>
+            <a:picLocks noChangeAspect="1"/>
+          </p:cNvPicPr>
+          <p:nvPr/>
+        </p:nvPicPr>
+        <p:blipFill>
+          <a:blip r:embed="rId2"/>
+          <a:stretch>
+            <a:fillRect/>
+          </a:stretch>
+        </p:blipFill>
+        <p:spPr>
+          <a:xfrm>
+            <a:off x="6238875" y="1541561"/>
+            <a:ext cx="5114925" cy="2597052"/>
+          </a:xfrm>
+          <a:prstGeom prst="rect">
+            <a:avLst/>
+          </a:prstGeom>
+        </p:spPr>
+      </p:pic>
+      <p:pic>
+        <p:nvPicPr>
+          <p:cNvPr id="5" name="Billede 4">
+            <a:extLst>
+              <a:ext uri="{FF2B5EF4-FFF2-40B4-BE49-F238E27FC236}">
+                <a16:creationId xmlns:a16="http://schemas.microsoft.com/office/drawing/2014/main" id="{ECAEE9C8-F21B-47E2-B212-4E41A778F76E}"/>
+              </a:ext>
+            </a:extLst>
+          </p:cNvPr>
+          <p:cNvPicPr>
+            <a:picLocks noChangeAspect="1"/>
+          </p:cNvPicPr>
+          <p:nvPr/>
+        </p:nvPicPr>
+        <p:blipFill>
+          <a:blip r:embed="rId3"/>
+          <a:stretch>
+            <a:fillRect/>
+          </a:stretch>
+        </p:blipFill>
+        <p:spPr>
+          <a:xfrm>
+            <a:off x="4810125" y="4348261"/>
+            <a:ext cx="6543675" cy="1590675"/>
+          </a:xfrm>
+          <a:prstGeom prst="rect">
+            <a:avLst/>
+          </a:prstGeom>
+        </p:spPr>
+      </p:pic>
+      <p:sp>
+        <p:nvSpPr>
+          <p:cNvPr id="6" name="Tekstfelt 5">
+            <a:extLst>
+              <a:ext uri="{FF2B5EF4-FFF2-40B4-BE49-F238E27FC236}">
+                <a16:creationId xmlns:a16="http://schemas.microsoft.com/office/drawing/2014/main" id="{8BE6A515-3E27-4913-A1A8-DF3F86C346DD}"/>
+              </a:ext>
+            </a:extLst>
+          </p:cNvPr>
+          <p:cNvSpPr txBox="1"/>
+          <p:nvPr/>
+        </p:nvSpPr>
+        <p:spPr>
+          <a:xfrm>
+            <a:off x="320186" y="2446826"/>
+            <a:ext cx="4333875" cy="1477328"/>
+          </a:xfrm>
+          <a:prstGeom prst="rect">
+            <a:avLst/>
+          </a:prstGeom>
+          <a:noFill/>
+        </p:spPr>
+        <p:txBody>
+          <a:bodyPr wrap="square" rtlCol="0">
+            <a:spAutoFit/>
+          </a:bodyPr>
+          <a:lstStyle/>
+          <a:p>
+            <a:pPr marL="285750" indent="-285750">
+              <a:buFont typeface="Arial" panose="020B0604020202020204" pitchFamily="34" charset="0"/>
+              <a:buChar char="•"/>
+            </a:pPr>
+            <a:r>
+              <a:rPr lang="da-DK" dirty="0"/>
+              <a:t>Private </a:t>
+            </a:r>
+            <a:r>
+              <a:rPr lang="da-DK" dirty="0" err="1"/>
+              <a:t>inner</a:t>
+            </a:r>
+            <a:r>
+              <a:rPr lang="da-DK" dirty="0"/>
+              <a:t> klasser</a:t>
+            </a:r>
+          </a:p>
+          <a:p>
+            <a:pPr marL="285750" indent="-285750">
+              <a:buFont typeface="Arial" panose="020B0604020202020204" pitchFamily="34" charset="0"/>
+              <a:buChar char="•"/>
+            </a:pPr>
+            <a:r>
+              <a:rPr lang="da-DK" dirty="0" err="1"/>
+              <a:t>ValueEventListner</a:t>
+            </a:r>
+            <a:r>
+              <a:rPr lang="da-DK" dirty="0"/>
+              <a:t> Interface </a:t>
+            </a:r>
+            <a:r>
+              <a:rPr lang="da-DK" dirty="0" err="1"/>
+              <a:t>Implementation</a:t>
+            </a:r>
+            <a:endParaRPr lang="da-DK" dirty="0"/>
+          </a:p>
+          <a:p>
+            <a:pPr marL="285750" indent="-285750">
+              <a:buFont typeface="Arial" panose="020B0604020202020204" pitchFamily="34" charset="0"/>
+              <a:buChar char="•"/>
+            </a:pPr>
+            <a:r>
+              <a:rPr lang="da-DK" dirty="0" err="1"/>
+              <a:t>CompletionListner</a:t>
+            </a:r>
+            <a:r>
+              <a:rPr lang="da-DK" dirty="0"/>
+              <a:t> Interface </a:t>
+            </a:r>
+            <a:r>
+              <a:rPr lang="da-DK" dirty="0" err="1"/>
+              <a:t>implementation</a:t>
+            </a:r>
+            <a:endParaRPr lang="da-DK" dirty="0"/>
+          </a:p>
+        </p:txBody>
+      </p:sp>
+    </p:spTree>
+    <p:extLst>
+      <p:ext uri="{BB962C8B-B14F-4D97-AF65-F5344CB8AC3E}">
+        <p14:creationId xmlns:p14="http://schemas.microsoft.com/office/powerpoint/2010/main" val="3018171403"/>
+      </p:ext>
+    </p:extLst>
+  </p:cSld>
+  <p:clrMapOvr>
+    <a:masterClrMapping/>
+  </p:clrMapOvr>
+</p:sld>
+</file>
+
+<file path=ppt/slides/slide8.xml><?xml version="1.0" encoding="utf-8"?>
+<p:sld xmlns:a="http://schemas.openxmlformats.org/drawingml/2006/main" xmlns:r="http://schemas.openxmlformats.org/officeDocument/2006/relationships" xmlns:p="http://schemas.openxmlformats.org/presentationml/2006/main">
+  <p:cSld>
+    <p:spTree>
+      <p:nvGrpSpPr>
+        <p:cNvPr id="1" name=""/>
+        <p:cNvGrpSpPr/>
+        <p:nvPr/>
+      </p:nvGrpSpPr>
+      <p:grpSpPr>
+        <a:xfrm>
+          <a:off x="0" y="0"/>
+          <a:ext cx="0" cy="0"/>
+          <a:chOff x="0" y="0"/>
+          <a:chExt cx="0" cy="0"/>
+        </a:xfrm>
+      </p:grpSpPr>
+      <p:sp>
+        <p:nvSpPr>
+          <p:cNvPr id="2" name="Titel 1">
+            <a:extLst>
+              <a:ext uri="{FF2B5EF4-FFF2-40B4-BE49-F238E27FC236}">
                 <a16:creationId xmlns:a16="http://schemas.microsoft.com/office/drawing/2014/main" id="{0921B156-197E-4F4D-B74C-E0A3488F321A}"/>
               </a:ext>
             </a:extLst>
@@ -4742,7 +4806,7 @@
 </p:sld>
 </file>
 
-<file path=ppt/slides/slide8.xml><?xml version="1.0" encoding="utf-8"?>
+<file path=ppt/slides/slide9.xml><?xml version="1.0" encoding="utf-8"?>
 <p:sld xmlns:a="http://schemas.openxmlformats.org/drawingml/2006/main" xmlns:r="http://schemas.openxmlformats.org/officeDocument/2006/relationships" xmlns:p="http://schemas.openxmlformats.org/presentationml/2006/main">
   <p:cSld>
     <p:spTree>
